--- a/presentaciones/presentacion equipo ABRACADATA.pptx
+++ b/presentaciones/presentacion equipo ABRACADATA.pptx
@@ -113,6 +113,11 @@
       </a:defRPr>
     </a:lvl9pPr>
   </p:defaultTextStyle>
+  <p:extLst>
+    <p:ext uri="{EFAFB233-063F-42B5-8137-9DF3F51BA10A}">
+      <p15:sldGuideLst xmlns:p15="http://schemas.microsoft.com/office/powerpoint/2012/main"/>
+    </p:ext>
+  </p:extLst>
 </p:presentation>
 </file>
 
@@ -198,7 +203,7 @@
           <a:p>
             <a:fld id="{B716A9A8-137D-9046-BCD3-2F1BC429CF9D}" type="datetimeFigureOut">
               <a:rPr lang="en-US" smtClean="0"/>
-              <a:t>6/26/20</a:t>
+              <a:t>6/28/20</a:t>
             </a:fld>
             <a:endParaRPr lang="en-US"/>
           </a:p>
@@ -948,7 +953,7 @@
             <a:fld id="{B61BEF0D-F0BB-DE4B-95CE-6DB70DBA9567}" type="datetimeFigureOut">
               <a:rPr lang="en-US" smtClean="0"/>
               <a:pPr/>
-              <a:t>6/26/20</a:t>
+              <a:t>6/28/20</a:t>
             </a:fld>
             <a:endParaRPr lang="en-US" dirty="0"/>
           </a:p>
@@ -1279,7 +1284,7 @@
             <a:fld id="{B61BEF0D-F0BB-DE4B-95CE-6DB70DBA9567}" type="datetimeFigureOut">
               <a:rPr lang="en-US" smtClean="0"/>
               <a:pPr/>
-              <a:t>6/26/20</a:t>
+              <a:t>6/28/20</a:t>
             </a:fld>
             <a:endParaRPr lang="en-US" dirty="0"/>
           </a:p>
@@ -1554,7 +1559,7 @@
             <a:fld id="{B61BEF0D-F0BB-DE4B-95CE-6DB70DBA9567}" type="datetimeFigureOut">
               <a:rPr lang="en-US" smtClean="0"/>
               <a:pPr/>
-              <a:t>6/26/20</a:t>
+              <a:t>6/28/20</a:t>
             </a:fld>
             <a:endParaRPr lang="en-US" dirty="0"/>
           </a:p>
@@ -2119,7 +2124,7 @@
             <a:fld id="{B61BEF0D-F0BB-DE4B-95CE-6DB70DBA9567}" type="datetimeFigureOut">
               <a:rPr lang="en-US" smtClean="0"/>
               <a:pPr/>
-              <a:t>6/26/20</a:t>
+              <a:t>6/28/20</a:t>
             </a:fld>
             <a:endParaRPr lang="en-US" dirty="0"/>
           </a:p>
@@ -2394,7 +2399,7 @@
             <a:fld id="{B61BEF0D-F0BB-DE4B-95CE-6DB70DBA9567}" type="datetimeFigureOut">
               <a:rPr lang="en-US" smtClean="0"/>
               <a:pPr/>
-              <a:t>6/26/20</a:t>
+              <a:t>6/28/20</a:t>
             </a:fld>
             <a:endParaRPr lang="en-US" dirty="0"/>
           </a:p>
@@ -2953,7 +2958,7 @@
             <a:fld id="{B61BEF0D-F0BB-DE4B-95CE-6DB70DBA9567}" type="datetimeFigureOut">
               <a:rPr lang="en-US" smtClean="0"/>
               <a:pPr/>
-              <a:t>6/26/20</a:t>
+              <a:t>6/28/20</a:t>
             </a:fld>
             <a:endParaRPr lang="en-US" dirty="0"/>
           </a:p>
@@ -3277,7 +3282,7 @@
             <a:fld id="{B61BEF0D-F0BB-DE4B-95CE-6DB70DBA9567}" type="datetimeFigureOut">
               <a:rPr lang="en-US" smtClean="0"/>
               <a:pPr/>
-              <a:t>6/26/20</a:t>
+              <a:t>6/28/20</a:t>
             </a:fld>
             <a:endParaRPr lang="en-US" dirty="0"/>
           </a:p>
@@ -3479,7 +3484,7 @@
             <a:fld id="{B61BEF0D-F0BB-DE4B-95CE-6DB70DBA9567}" type="datetimeFigureOut">
               <a:rPr lang="en-US" smtClean="0"/>
               <a:pPr/>
-              <a:t>6/26/20</a:t>
+              <a:t>6/28/20</a:t>
             </a:fld>
             <a:endParaRPr lang="en-US" dirty="0"/>
           </a:p>
@@ -3686,7 +3691,7 @@
             <a:fld id="{B61BEF0D-F0BB-DE4B-95CE-6DB70DBA9567}" type="datetimeFigureOut">
               <a:rPr lang="en-US" smtClean="0"/>
               <a:pPr/>
-              <a:t>6/26/20</a:t>
+              <a:t>6/28/20</a:t>
             </a:fld>
             <a:endParaRPr lang="en-US" dirty="0"/>
           </a:p>
@@ -3883,7 +3888,7 @@
             <a:fld id="{B61BEF0D-F0BB-DE4B-95CE-6DB70DBA9567}" type="datetimeFigureOut">
               <a:rPr lang="en-US" smtClean="0"/>
               <a:pPr/>
-              <a:t>6/26/20</a:t>
+              <a:t>6/28/20</a:t>
             </a:fld>
             <a:endParaRPr lang="en-US" dirty="0"/>
           </a:p>
@@ -4156,7 +4161,7 @@
             <a:fld id="{B61BEF0D-F0BB-DE4B-95CE-6DB70DBA9567}" type="datetimeFigureOut">
               <a:rPr lang="en-US" smtClean="0"/>
               <a:pPr/>
-              <a:t>6/26/20</a:t>
+              <a:t>6/28/20</a:t>
             </a:fld>
             <a:endParaRPr lang="en-US" dirty="0"/>
           </a:p>
@@ -4419,7 +4424,7 @@
             <a:fld id="{B61BEF0D-F0BB-DE4B-95CE-6DB70DBA9567}" type="datetimeFigureOut">
               <a:rPr lang="en-US" smtClean="0"/>
               <a:pPr/>
-              <a:t>6/26/20</a:t>
+              <a:t>6/28/20</a:t>
             </a:fld>
             <a:endParaRPr lang="en-US" dirty="0"/>
           </a:p>
@@ -4790,7 +4795,7 @@
             <a:fld id="{B61BEF0D-F0BB-DE4B-95CE-6DB70DBA9567}" type="datetimeFigureOut">
               <a:rPr lang="en-US" smtClean="0"/>
               <a:pPr/>
-              <a:t>6/26/20</a:t>
+              <a:t>6/28/20</a:t>
             </a:fld>
             <a:endParaRPr lang="en-US" dirty="0"/>
           </a:p>
@@ -4935,7 +4940,7 @@
             <a:fld id="{B61BEF0D-F0BB-DE4B-95CE-6DB70DBA9567}" type="datetimeFigureOut">
               <a:rPr lang="en-US" smtClean="0"/>
               <a:pPr/>
-              <a:t>6/26/20</a:t>
+              <a:t>6/28/20</a:t>
             </a:fld>
             <a:endParaRPr lang="en-US" dirty="0"/>
           </a:p>
@@ -5057,7 +5062,7 @@
             <a:fld id="{B61BEF0D-F0BB-DE4B-95CE-6DB70DBA9567}" type="datetimeFigureOut">
               <a:rPr lang="en-US" smtClean="0"/>
               <a:pPr/>
-              <a:t>6/26/20</a:t>
+              <a:t>6/28/20</a:t>
             </a:fld>
             <a:endParaRPr lang="en-US" dirty="0"/>
           </a:p>
@@ -5339,7 +5344,7 @@
             <a:fld id="{B61BEF0D-F0BB-DE4B-95CE-6DB70DBA9567}" type="datetimeFigureOut">
               <a:rPr lang="en-US" smtClean="0"/>
               <a:pPr/>
-              <a:t>6/26/20</a:t>
+              <a:t>6/28/20</a:t>
             </a:fld>
             <a:endParaRPr lang="en-US" dirty="0"/>
           </a:p>
@@ -5660,7 +5665,7 @@
             <a:fld id="{B61BEF0D-F0BB-DE4B-95CE-6DB70DBA9567}" type="datetimeFigureOut">
               <a:rPr lang="en-US" smtClean="0"/>
               <a:pPr/>
-              <a:t>6/26/20</a:t>
+              <a:t>6/28/20</a:t>
             </a:fld>
             <a:endParaRPr lang="en-US" dirty="0"/>
           </a:p>
@@ -5871,7 +5876,7 @@
             <a:fld id="{B61BEF0D-F0BB-DE4B-95CE-6DB70DBA9567}" type="datetimeFigureOut">
               <a:rPr lang="en-US" smtClean="0"/>
               <a:pPr/>
-              <a:t>6/26/20</a:t>
+              <a:t>6/28/20</a:t>
             </a:fld>
             <a:endParaRPr lang="en-US" dirty="0"/>
           </a:p>
@@ -6449,7 +6454,11 @@
           <a:p>
             <a:r>
               <a:rPr lang="en-US" dirty="0" smtClean="0"/>
-              <a:t>26 de </a:t>
+              <a:t>28 </a:t>
+            </a:r>
+            <a:r>
+              <a:rPr lang="en-US" dirty="0" smtClean="0"/>
+              <a:t>de </a:t>
             </a:r>
             <a:r>
               <a:rPr lang="en-US" dirty="0" err="1" smtClean="0"/>
@@ -6532,6 +6541,13 @@
   <p:clrMapOvr>
     <a:masterClrMapping/>
   </p:clrMapOvr>
+  <p:timing>
+    <p:tnLst>
+      <p:par>
+        <p:cTn id="1" dur="indefinite" restart="never" nodeType="tmRoot"/>
+      </p:par>
+    </p:tnLst>
+  </p:timing>
 </p:sld>
 </file>
 
@@ -6731,6 +6747,13 @@
   <p:clrMapOvr>
     <a:masterClrMapping/>
   </p:clrMapOvr>
+  <p:timing>
+    <p:tnLst>
+      <p:par>
+        <p:cTn id="1" dur="indefinite" restart="never" nodeType="tmRoot"/>
+      </p:par>
+    </p:tnLst>
+  </p:timing>
 </p:sld>
 </file>
 
@@ -7487,7 +7510,6 @@
               <a:rPr lang="en-US" dirty="0"/>
               <a:t>- John Maynard Keynes</a:t>
             </a:r>
-            <a:endParaRPr lang="en-US" dirty="0"/>
           </a:p>
           <a:p>
             <a:pPr lvl="1"/>
@@ -8269,7 +8291,11 @@
           <a:p>
             <a:r>
               <a:rPr lang="en-US" dirty="0" smtClean="0"/>
-              <a:t>26 de </a:t>
+              <a:t>28 </a:t>
+            </a:r>
+            <a:r>
+              <a:rPr lang="en-US" dirty="0" smtClean="0"/>
+              <a:t>de </a:t>
             </a:r>
             <a:r>
               <a:rPr lang="en-US" dirty="0" err="1" smtClean="0"/>
